--- a/Documentacion/Presentación de Documentación.pptx
+++ b/Documentacion/Presentación de Documentación.pptx
@@ -5,7 +5,8 @@
     <p:sldMasterId id="2147483648" r:id="rId1"/>
   </p:sldMasterIdLst>
   <p:sldIdLst>
-    <p:sldId id="256" r:id="rId2"/>
+    <p:sldId id="257" r:id="rId2"/>
+    <p:sldId id="256" r:id="rId3"/>
   </p:sldIdLst>
   <p:sldSz cx="12192000" cy="6858000"/>
   <p:notesSz cx="6858000" cy="9144000"/>
@@ -104,6 +105,11 @@
       </a:defRPr>
     </a:lvl9pPr>
   </p:defaultTextStyle>
+  <p:extLst>
+    <p:ext uri="{EFAFB233-063F-42B5-8137-9DF3F51BA10A}">
+      <p15:sldGuideLst xmlns:p15="http://schemas.microsoft.com/office/powerpoint/2012/main"/>
+    </p:ext>
+  </p:extLst>
 </p:presentation>
 </file>
 
@@ -238,7 +244,7 @@
           <a:p>
             <a:fld id="{0454A392-285B-4B7B-854D-A91DE1C75E46}" type="datetimeFigureOut">
               <a:rPr lang="es-ES" smtClean="0"/>
-              <a:t>17/03/2020</a:t>
+              <a:t>14/05/2020</a:t>
             </a:fld>
             <a:endParaRPr lang="es-ES"/>
           </a:p>
@@ -408,7 +414,7 @@
           <a:p>
             <a:fld id="{0454A392-285B-4B7B-854D-A91DE1C75E46}" type="datetimeFigureOut">
               <a:rPr lang="es-ES" smtClean="0"/>
-              <a:t>17/03/2020</a:t>
+              <a:t>14/05/2020</a:t>
             </a:fld>
             <a:endParaRPr lang="es-ES"/>
           </a:p>
@@ -588,7 +594,7 @@
           <a:p>
             <a:fld id="{0454A392-285B-4B7B-854D-A91DE1C75E46}" type="datetimeFigureOut">
               <a:rPr lang="es-ES" smtClean="0"/>
-              <a:t>17/03/2020</a:t>
+              <a:t>14/05/2020</a:t>
             </a:fld>
             <a:endParaRPr lang="es-ES"/>
           </a:p>
@@ -758,7 +764,7 @@
           <a:p>
             <a:fld id="{0454A392-285B-4B7B-854D-A91DE1C75E46}" type="datetimeFigureOut">
               <a:rPr lang="es-ES" smtClean="0"/>
-              <a:t>17/03/2020</a:t>
+              <a:t>14/05/2020</a:t>
             </a:fld>
             <a:endParaRPr lang="es-ES"/>
           </a:p>
@@ -1004,7 +1010,7 @@
           <a:p>
             <a:fld id="{0454A392-285B-4B7B-854D-A91DE1C75E46}" type="datetimeFigureOut">
               <a:rPr lang="es-ES" smtClean="0"/>
-              <a:t>17/03/2020</a:t>
+              <a:t>14/05/2020</a:t>
             </a:fld>
             <a:endParaRPr lang="es-ES"/>
           </a:p>
@@ -1236,7 +1242,7 @@
           <a:p>
             <a:fld id="{0454A392-285B-4B7B-854D-A91DE1C75E46}" type="datetimeFigureOut">
               <a:rPr lang="es-ES" smtClean="0"/>
-              <a:t>17/03/2020</a:t>
+              <a:t>14/05/2020</a:t>
             </a:fld>
             <a:endParaRPr lang="es-ES"/>
           </a:p>
@@ -1603,7 +1609,7 @@
           <a:p>
             <a:fld id="{0454A392-285B-4B7B-854D-A91DE1C75E46}" type="datetimeFigureOut">
               <a:rPr lang="es-ES" smtClean="0"/>
-              <a:t>17/03/2020</a:t>
+              <a:t>14/05/2020</a:t>
             </a:fld>
             <a:endParaRPr lang="es-ES"/>
           </a:p>
@@ -1721,7 +1727,7 @@
           <a:p>
             <a:fld id="{0454A392-285B-4B7B-854D-A91DE1C75E46}" type="datetimeFigureOut">
               <a:rPr lang="es-ES" smtClean="0"/>
-              <a:t>17/03/2020</a:t>
+              <a:t>14/05/2020</a:t>
             </a:fld>
             <a:endParaRPr lang="es-ES"/>
           </a:p>
@@ -1816,7 +1822,7 @@
           <a:p>
             <a:fld id="{0454A392-285B-4B7B-854D-A91DE1C75E46}" type="datetimeFigureOut">
               <a:rPr lang="es-ES" smtClean="0"/>
-              <a:t>17/03/2020</a:t>
+              <a:t>14/05/2020</a:t>
             </a:fld>
             <a:endParaRPr lang="es-ES"/>
           </a:p>
@@ -2093,7 +2099,7 @@
           <a:p>
             <a:fld id="{0454A392-285B-4B7B-854D-A91DE1C75E46}" type="datetimeFigureOut">
               <a:rPr lang="es-ES" smtClean="0"/>
-              <a:t>17/03/2020</a:t>
+              <a:t>14/05/2020</a:t>
             </a:fld>
             <a:endParaRPr lang="es-ES"/>
           </a:p>
@@ -2346,7 +2352,7 @@
           <a:p>
             <a:fld id="{0454A392-285B-4B7B-854D-A91DE1C75E46}" type="datetimeFigureOut">
               <a:rPr lang="es-ES" smtClean="0"/>
-              <a:t>17/03/2020</a:t>
+              <a:t>14/05/2020</a:t>
             </a:fld>
             <a:endParaRPr lang="es-ES"/>
           </a:p>
@@ -2559,7 +2565,7 @@
           <a:p>
             <a:fld id="{0454A392-285B-4B7B-854D-A91DE1C75E46}" type="datetimeFigureOut">
               <a:rPr lang="es-ES" smtClean="0"/>
-              <a:t>17/03/2020</a:t>
+              <a:t>14/05/2020</a:t>
             </a:fld>
             <a:endParaRPr lang="es-ES"/>
           </a:p>
@@ -2971,6 +2977,88 @@
             <a:spLocks noGrp="1"/>
           </p:cNvSpPr>
           <p:nvPr>
+            <p:ph type="title"/>
+          </p:nvPr>
+        </p:nvSpPr>
+        <p:spPr/>
+        <p:txBody>
+          <a:bodyPr/>
+          <a:lstStyle/>
+          <a:p>
+            <a:r>
+              <a:rPr lang="es-ES" dirty="0" smtClean="0"/>
+              <a:t>   </a:t>
+            </a:r>
+            <a:endParaRPr lang="es-ES" dirty="0"/>
+          </a:p>
+        </p:txBody>
+      </p:sp>
+      <p:pic>
+        <p:nvPicPr>
+          <p:cNvPr id="4" name="Marcador de contenido 3"/>
+          <p:cNvPicPr>
+            <a:picLocks noGrp="1" noChangeAspect="1"/>
+          </p:cNvPicPr>
+          <p:nvPr>
+            <p:ph idx="1"/>
+          </p:nvPr>
+        </p:nvPicPr>
+        <p:blipFill>
+          <a:blip r:embed="rId2">
+            <a:extLst>
+              <a:ext uri="{28A0092B-C50C-407E-A947-70E740481C1C}">
+                <a14:useLocalDpi xmlns:a14="http://schemas.microsoft.com/office/drawing/2010/main" val="0"/>
+              </a:ext>
+            </a:extLst>
+          </a:blip>
+          <a:stretch>
+            <a:fillRect/>
+          </a:stretch>
+        </p:blipFill>
+        <p:spPr>
+          <a:xfrm>
+            <a:off x="8871225" y="555782"/>
+            <a:ext cx="2324424" cy="881185"/>
+          </a:xfrm>
+        </p:spPr>
+      </p:pic>
+    </p:spTree>
+    <p:extLst>
+      <p:ext uri="{BB962C8B-B14F-4D97-AF65-F5344CB8AC3E}">
+        <p14:creationId xmlns:p14="http://schemas.microsoft.com/office/powerpoint/2010/main" val="2558593691"/>
+      </p:ext>
+    </p:extLst>
+  </p:cSld>
+  <p:clrMapOvr>
+    <a:masterClrMapping/>
+  </p:clrMapOvr>
+</p:sld>
+</file>
+
+<file path=ppt/slides/slide2.xml><?xml version="1.0" encoding="utf-8"?>
+<p:sld xmlns:a="http://schemas.openxmlformats.org/drawingml/2006/main" xmlns:r="http://schemas.openxmlformats.org/officeDocument/2006/relationships" xmlns:p="http://schemas.openxmlformats.org/presentationml/2006/main">
+  <p:cSld>
+    <p:spTree>
+      <p:nvGrpSpPr>
+        <p:cNvPr id="1" name=""/>
+        <p:cNvGrpSpPr/>
+        <p:nvPr/>
+      </p:nvGrpSpPr>
+      <p:grpSpPr>
+        <a:xfrm>
+          <a:off x="0" y="0"/>
+          <a:ext cx="0" cy="0"/>
+          <a:chOff x="0" y="0"/>
+          <a:chExt cx="0" cy="0"/>
+        </a:xfrm>
+      </p:grpSpPr>
+      <p:sp>
+        <p:nvSpPr>
+          <p:cNvPr id="2" name="Título 1"/>
+          <p:cNvSpPr>
+            <a:spLocks noGrp="1"/>
+          </p:cNvSpPr>
+          <p:nvPr>
             <p:ph type="ctrTitle"/>
           </p:nvPr>
         </p:nvSpPr>
@@ -2986,6 +3074,13 @@
           </a:bodyPr>
           <a:lstStyle/>
           <a:p>
+            <a:r>
+              <a:rPr lang="es-ES" dirty="0" smtClean="0"/>
+              <a:t/>
+            </a:r>
+            <a:br>
+              <a:rPr lang="es-ES" dirty="0" smtClean="0"/>
+            </a:br>
             <a:r>
               <a:rPr lang="es-ES" dirty="0" smtClean="0"/>
               <a:t>Una presentación de diapositivas que incluya los aspectos más relevantes del documento anterior y que se utilizará el día de la exposición.</a:t>

--- a/Documentacion/Presentación de Documentación.pptx
+++ b/Documentacion/Presentación de Documentación.pptx
@@ -244,7 +244,7 @@
           <a:p>
             <a:fld id="{0454A392-285B-4B7B-854D-A91DE1C75E46}" type="datetimeFigureOut">
               <a:rPr lang="es-ES" smtClean="0"/>
-              <a:t>14/05/2020</a:t>
+              <a:t>30/05/2020</a:t>
             </a:fld>
             <a:endParaRPr lang="es-ES"/>
           </a:p>
@@ -414,7 +414,7 @@
           <a:p>
             <a:fld id="{0454A392-285B-4B7B-854D-A91DE1C75E46}" type="datetimeFigureOut">
               <a:rPr lang="es-ES" smtClean="0"/>
-              <a:t>14/05/2020</a:t>
+              <a:t>30/05/2020</a:t>
             </a:fld>
             <a:endParaRPr lang="es-ES"/>
           </a:p>
@@ -594,7 +594,7 @@
           <a:p>
             <a:fld id="{0454A392-285B-4B7B-854D-A91DE1C75E46}" type="datetimeFigureOut">
               <a:rPr lang="es-ES" smtClean="0"/>
-              <a:t>14/05/2020</a:t>
+              <a:t>30/05/2020</a:t>
             </a:fld>
             <a:endParaRPr lang="es-ES"/>
           </a:p>
@@ -764,7 +764,7 @@
           <a:p>
             <a:fld id="{0454A392-285B-4B7B-854D-A91DE1C75E46}" type="datetimeFigureOut">
               <a:rPr lang="es-ES" smtClean="0"/>
-              <a:t>14/05/2020</a:t>
+              <a:t>30/05/2020</a:t>
             </a:fld>
             <a:endParaRPr lang="es-ES"/>
           </a:p>
@@ -1010,7 +1010,7 @@
           <a:p>
             <a:fld id="{0454A392-285B-4B7B-854D-A91DE1C75E46}" type="datetimeFigureOut">
               <a:rPr lang="es-ES" smtClean="0"/>
-              <a:t>14/05/2020</a:t>
+              <a:t>30/05/2020</a:t>
             </a:fld>
             <a:endParaRPr lang="es-ES"/>
           </a:p>
@@ -1242,7 +1242,7 @@
           <a:p>
             <a:fld id="{0454A392-285B-4B7B-854D-A91DE1C75E46}" type="datetimeFigureOut">
               <a:rPr lang="es-ES" smtClean="0"/>
-              <a:t>14/05/2020</a:t>
+              <a:t>30/05/2020</a:t>
             </a:fld>
             <a:endParaRPr lang="es-ES"/>
           </a:p>
@@ -1609,7 +1609,7 @@
           <a:p>
             <a:fld id="{0454A392-285B-4B7B-854D-A91DE1C75E46}" type="datetimeFigureOut">
               <a:rPr lang="es-ES" smtClean="0"/>
-              <a:t>14/05/2020</a:t>
+              <a:t>30/05/2020</a:t>
             </a:fld>
             <a:endParaRPr lang="es-ES"/>
           </a:p>
@@ -1727,7 +1727,7 @@
           <a:p>
             <a:fld id="{0454A392-285B-4B7B-854D-A91DE1C75E46}" type="datetimeFigureOut">
               <a:rPr lang="es-ES" smtClean="0"/>
-              <a:t>14/05/2020</a:t>
+              <a:t>30/05/2020</a:t>
             </a:fld>
             <a:endParaRPr lang="es-ES"/>
           </a:p>
@@ -1822,7 +1822,7 @@
           <a:p>
             <a:fld id="{0454A392-285B-4B7B-854D-A91DE1C75E46}" type="datetimeFigureOut">
               <a:rPr lang="es-ES" smtClean="0"/>
-              <a:t>14/05/2020</a:t>
+              <a:t>30/05/2020</a:t>
             </a:fld>
             <a:endParaRPr lang="es-ES"/>
           </a:p>
@@ -2099,7 +2099,7 @@
           <a:p>
             <a:fld id="{0454A392-285B-4B7B-854D-A91DE1C75E46}" type="datetimeFigureOut">
               <a:rPr lang="es-ES" smtClean="0"/>
-              <a:t>14/05/2020</a:t>
+              <a:t>30/05/2020</a:t>
             </a:fld>
             <a:endParaRPr lang="es-ES"/>
           </a:p>
@@ -2352,7 +2352,7 @@
           <a:p>
             <a:fld id="{0454A392-285B-4B7B-854D-A91DE1C75E46}" type="datetimeFigureOut">
               <a:rPr lang="es-ES" smtClean="0"/>
-              <a:t>14/05/2020</a:t>
+              <a:t>30/05/2020</a:t>
             </a:fld>
             <a:endParaRPr lang="es-ES"/>
           </a:p>
@@ -2565,7 +2565,7 @@
           <a:p>
             <a:fld id="{0454A392-285B-4B7B-854D-A91DE1C75E46}" type="datetimeFigureOut">
               <a:rPr lang="es-ES" smtClean="0"/>
-              <a:t>14/05/2020</a:t>
+              <a:t>30/05/2020</a:t>
             </a:fld>
             <a:endParaRPr lang="es-ES"/>
           </a:p>
@@ -3017,11 +3017,188 @@
         </p:blipFill>
         <p:spPr>
           <a:xfrm>
-            <a:off x="8871225" y="555782"/>
-            <a:ext cx="2324424" cy="881185"/>
+            <a:off x="3545741" y="1544029"/>
+            <a:ext cx="4443943" cy="1684691"/>
           </a:xfrm>
         </p:spPr>
       </p:pic>
+      <p:sp>
+        <p:nvSpPr>
+          <p:cNvPr id="5" name="Título 1"/>
+          <p:cNvSpPr txBox="1">
+            <a:spLocks/>
+          </p:cNvSpPr>
+          <p:nvPr/>
+        </p:nvSpPr>
+        <p:spPr>
+          <a:xfrm>
+            <a:off x="672230" y="1569407"/>
+            <a:ext cx="10190967" cy="4030663"/>
+          </a:xfrm>
+          <a:prstGeom prst="rect">
+            <a:avLst/>
+          </a:prstGeom>
+        </p:spPr>
+        <p:txBody>
+          <a:bodyPr vert="horz" lIns="91440" tIns="45720" rIns="91440" bIns="45720" rtlCol="0" anchor="ctr">
+            <a:normAutofit fontScale="97500"/>
+          </a:bodyPr>
+          <a:lstStyle>
+            <a:lvl1pPr algn="l" defTabSz="914400" rtl="0" eaLnBrk="1" latinLnBrk="0" hangingPunct="1">
+              <a:lnSpc>
+                <a:spcPct val="90000"/>
+              </a:lnSpc>
+              <a:spcBef>
+                <a:spcPct val="0"/>
+              </a:spcBef>
+              <a:buNone/>
+              <a:defRPr sz="4400" kern="1200">
+                <a:solidFill>
+                  <a:schemeClr val="tx1"/>
+                </a:solidFill>
+                <a:latin typeface="+mj-lt"/>
+                <a:ea typeface="+mj-ea"/>
+                <a:cs typeface="+mj-cs"/>
+              </a:defRPr>
+            </a:lvl1pPr>
+          </a:lstStyle>
+          <a:p>
+            <a:r>
+              <a:rPr lang="es-ES" dirty="0" smtClean="0">
+                <a:solidFill>
+                  <a:schemeClr val="bg2">
+                    <a:lumMod val="50000"/>
+                  </a:schemeClr>
+                </a:solidFill>
+              </a:rPr>
+              <a:t/>
+            </a:r>
+            <a:br>
+              <a:rPr lang="es-ES" dirty="0" smtClean="0">
+                <a:solidFill>
+                  <a:schemeClr val="bg2">
+                    <a:lumMod val="50000"/>
+                  </a:schemeClr>
+                </a:solidFill>
+              </a:rPr>
+            </a:br>
+            <a:r>
+              <a:rPr lang="es-ES" dirty="0" smtClean="0">
+                <a:solidFill>
+                  <a:schemeClr val="bg2">
+                    <a:lumMod val="50000"/>
+                  </a:schemeClr>
+                </a:solidFill>
+              </a:rPr>
+              <a:t>¡Queremos dar una segunda vida a tu ropa!</a:t>
+            </a:r>
+            <a:endParaRPr lang="es-ES" dirty="0">
+              <a:solidFill>
+                <a:schemeClr val="bg2">
+                  <a:lumMod val="50000"/>
+                </a:schemeClr>
+              </a:solidFill>
+            </a:endParaRPr>
+          </a:p>
+        </p:txBody>
+      </p:sp>
+      <p:sp>
+        <p:nvSpPr>
+          <p:cNvPr id="6" name="Título 1"/>
+          <p:cNvSpPr txBox="1">
+            <a:spLocks/>
+          </p:cNvSpPr>
+          <p:nvPr/>
+        </p:nvSpPr>
+        <p:spPr>
+          <a:xfrm>
+            <a:off x="8897655" y="5600070"/>
+            <a:ext cx="3383071" cy="913248"/>
+          </a:xfrm>
+          <a:prstGeom prst="rect">
+            <a:avLst/>
+          </a:prstGeom>
+        </p:spPr>
+        <p:txBody>
+          <a:bodyPr vert="horz" lIns="91440" tIns="45720" rIns="91440" bIns="45720" rtlCol="0" anchor="ctr">
+            <a:normAutofit fontScale="37500" lnSpcReduction="20000"/>
+          </a:bodyPr>
+          <a:lstStyle>
+            <a:lvl1pPr algn="l" defTabSz="914400" rtl="0" eaLnBrk="1" latinLnBrk="0" hangingPunct="1">
+              <a:lnSpc>
+                <a:spcPct val="90000"/>
+              </a:lnSpc>
+              <a:spcBef>
+                <a:spcPct val="0"/>
+              </a:spcBef>
+              <a:buNone/>
+              <a:defRPr sz="4400" kern="1200">
+                <a:solidFill>
+                  <a:schemeClr val="tx1"/>
+                </a:solidFill>
+                <a:latin typeface="+mj-lt"/>
+                <a:ea typeface="+mj-ea"/>
+                <a:cs typeface="+mj-cs"/>
+              </a:defRPr>
+            </a:lvl1pPr>
+          </a:lstStyle>
+          <a:p>
+            <a:r>
+              <a:rPr lang="es-ES" dirty="0" smtClean="0">
+                <a:solidFill>
+                  <a:schemeClr val="bg2">
+                    <a:lumMod val="50000"/>
+                  </a:schemeClr>
+                </a:solidFill>
+              </a:rPr>
+              <a:t>Mario Sánchez Mosquero</a:t>
+            </a:r>
+          </a:p>
+          <a:p>
+            <a:r>
+              <a:rPr lang="es-ES" dirty="0" smtClean="0">
+                <a:solidFill>
+                  <a:schemeClr val="bg2">
+                    <a:lumMod val="50000"/>
+                  </a:schemeClr>
+                </a:solidFill>
+              </a:rPr>
+              <a:t>Tamara Pérez Sánchez</a:t>
+            </a:r>
+          </a:p>
+          <a:p>
+            <a:r>
+              <a:rPr lang="es-ES" dirty="0" smtClean="0">
+                <a:solidFill>
+                  <a:schemeClr val="bg2">
+                    <a:lumMod val="50000"/>
+                  </a:schemeClr>
+                </a:solidFill>
+              </a:rPr>
+              <a:t>V.1.0 </a:t>
+            </a:r>
+          </a:p>
+          <a:p>
+            <a:r>
+              <a:rPr lang="es-ES" dirty="0" smtClean="0">
+                <a:solidFill>
+                  <a:schemeClr val="bg2">
+                    <a:lumMod val="50000"/>
+                  </a:schemeClr>
+                </a:solidFill>
+              </a:rPr>
+              <a:t>03/06/2020</a:t>
+            </a:r>
+            <a:endParaRPr lang="es-ES" dirty="0">
+              <a:solidFill>
+                <a:schemeClr val="bg2">
+                  <a:lumMod val="50000"/>
+                </a:schemeClr>
+              </a:solidFill>
+            </a:endParaRPr>
+          </a:p>
+        </p:txBody>
+      </p:sp>
     </p:spTree>
     <p:extLst>
       <p:ext uri="{BB962C8B-B14F-4D97-AF65-F5344CB8AC3E}">
@@ -3070,21 +3247,17 @@
         </p:spPr>
         <p:txBody>
           <a:bodyPr>
-            <a:normAutofit fontScale="90000"/>
+            <a:normAutofit/>
           </a:bodyPr>
           <a:lstStyle/>
           <a:p>
             <a:r>
-              <a:rPr lang="es-ES" dirty="0" smtClean="0"/>
-              <a:t/>
+              <a:rPr lang="es-ES" smtClean="0"/>
+              <a:t>Índice</a:t>
             </a:r>
             <a:br>
-              <a:rPr lang="es-ES" dirty="0" smtClean="0"/>
+              <a:rPr lang="es-ES" smtClean="0"/>
             </a:br>
-            <a:r>
-              <a:rPr lang="es-ES" dirty="0" smtClean="0"/>
-              <a:t>Una presentación de diapositivas que incluya los aspectos más relevantes del documento anterior y que se utilizará el día de la exposición.</a:t>
-            </a:r>
             <a:endParaRPr lang="es-ES" dirty="0"/>
           </a:p>
         </p:txBody>
